--- a/xml/XML QUE ES.pptx
+++ b/xml/XML QUE ES.pptx
@@ -5,23 +5,40 @@
     <p:sldMasterId id="2147483657" r:id="rId1"/>
   </p:sldMasterIdLst>
   <p:notesMasterIdLst>
-    <p:notesMasterId r:id="rId6"/>
+    <p:notesMasterId r:id="rId9"/>
   </p:notesMasterIdLst>
   <p:sldIdLst>
     <p:sldId id="256" r:id="rId2"/>
     <p:sldId id="261" r:id="rId3"/>
     <p:sldId id="263" r:id="rId4"/>
     <p:sldId id="264" r:id="rId5"/>
+    <p:sldId id="258" r:id="rId6"/>
+    <p:sldId id="257" r:id="rId7"/>
+    <p:sldId id="259" r:id="rId8"/>
   </p:sldIdLst>
   <p:sldSz cx="9144000" cy="5143500" type="screen16x9"/>
   <p:notesSz cx="6858000" cy="9144000"/>
   <p:embeddedFontLst>
     <p:embeddedFont>
+      <p:font typeface="Calibri" panose="020F0502020204030204" pitchFamily="34" charset="0"/>
+      <p:regular r:id="rId10"/>
+      <p:bold r:id="rId11"/>
+      <p:italic r:id="rId12"/>
+      <p:boldItalic r:id="rId13"/>
+    </p:embeddedFont>
+    <p:embeddedFont>
+      <p:font typeface="Consolas" panose="020B0609020204030204" pitchFamily="49" charset="0"/>
+      <p:regular r:id="rId14"/>
+      <p:bold r:id="rId15"/>
+      <p:italic r:id="rId16"/>
+      <p:boldItalic r:id="rId17"/>
+    </p:embeddedFont>
+    <p:embeddedFont>
       <p:font typeface="Cousine" panose="020B0604020202020204" charset="0"/>
-      <p:regular r:id="rId7"/>
-      <p:bold r:id="rId8"/>
-      <p:italic r:id="rId9"/>
-      <p:boldItalic r:id="rId10"/>
+      <p:regular r:id="rId18"/>
+      <p:bold r:id="rId19"/>
+      <p:italic r:id="rId20"/>
+      <p:boldItalic r:id="rId21"/>
     </p:embeddedFont>
   </p:embeddedFontLst>
   <p:defaultTextStyle>
@@ -253,6 +270,11 @@
       </a:defRPr>
     </a:lvl9pPr>
   </p:defaultTextStyle>
+  <p:extLst>
+    <p:ext uri="{EFAFB233-063F-42B5-8137-9DF3F51BA10A}">
+      <p15:sldGuideLst xmlns:p15="http://schemas.microsoft.com/office/powerpoint/2012/main"/>
+    </p:ext>
+  </p:extLst>
 </p:presentation>
 </file>
 
@@ -2326,6 +2348,196 @@
 </p:sldLayout>
 </file>
 
+<file path=ppt/slideLayouts/slideLayout4.xml><?xml version="1.0" encoding="utf-8"?>
+<p:sldLayout xmlns:a="http://schemas.openxmlformats.org/drawingml/2006/main" xmlns:r="http://schemas.openxmlformats.org/officeDocument/2006/relationships" xmlns:p="http://schemas.openxmlformats.org/presentationml/2006/main" type="title">
+  <p:cSld name="Diapositiva de título">
+    <p:spTree>
+      <p:nvGrpSpPr>
+        <p:cNvPr id="1" name=""/>
+        <p:cNvGrpSpPr/>
+        <p:nvPr/>
+      </p:nvGrpSpPr>
+      <p:grpSpPr>
+        <a:xfrm>
+          <a:off x="0" y="0"/>
+          <a:ext cx="0" cy="0"/>
+          <a:chOff x="0" y="0"/>
+          <a:chExt cx="0" cy="0"/>
+        </a:xfrm>
+      </p:grpSpPr>
+      <p:sp>
+        <p:nvSpPr>
+          <p:cNvPr id="2" name="Título 1"/>
+          <p:cNvSpPr>
+            <a:spLocks noGrp="1"/>
+          </p:cNvSpPr>
+          <p:nvPr>
+            <p:ph type="ctrTitle"/>
+          </p:nvPr>
+        </p:nvSpPr>
+        <p:spPr>
+          <a:xfrm>
+            <a:off x="1143000" y="841772"/>
+            <a:ext cx="6858000" cy="1790700"/>
+          </a:xfrm>
+        </p:spPr>
+        <p:txBody>
+          <a:bodyPr anchor="b"/>
+          <a:lstStyle>
+            <a:lvl1pPr algn="ctr">
+              <a:defRPr sz="4500"/>
+            </a:lvl1pPr>
+          </a:lstStyle>
+          <a:p>
+            <a:r>
+              <a:rPr lang="es-ES"/>
+              <a:t>Haga clic para modificar el estilo de título del patrón</a:t>
+            </a:r>
+          </a:p>
+        </p:txBody>
+      </p:sp>
+      <p:sp>
+        <p:nvSpPr>
+          <p:cNvPr id="3" name="Subtítulo 2"/>
+          <p:cNvSpPr>
+            <a:spLocks noGrp="1"/>
+          </p:cNvSpPr>
+          <p:nvPr>
+            <p:ph type="subTitle" idx="1"/>
+          </p:nvPr>
+        </p:nvSpPr>
+        <p:spPr>
+          <a:xfrm>
+            <a:off x="1143000" y="2701528"/>
+            <a:ext cx="6858000" cy="1241822"/>
+          </a:xfrm>
+        </p:spPr>
+        <p:txBody>
+          <a:bodyPr/>
+          <a:lstStyle>
+            <a:lvl1pPr marL="0" indent="0" algn="ctr">
+              <a:buNone/>
+              <a:defRPr sz="1800"/>
+            </a:lvl1pPr>
+            <a:lvl2pPr marL="342900" indent="0" algn="ctr">
+              <a:buNone/>
+              <a:defRPr sz="1500"/>
+            </a:lvl2pPr>
+            <a:lvl3pPr marL="685800" indent="0" algn="ctr">
+              <a:buNone/>
+              <a:defRPr sz="1350"/>
+            </a:lvl3pPr>
+            <a:lvl4pPr marL="1028700" indent="0" algn="ctr">
+              <a:buNone/>
+              <a:defRPr sz="1200"/>
+            </a:lvl4pPr>
+            <a:lvl5pPr marL="1371600" indent="0" algn="ctr">
+              <a:buNone/>
+              <a:defRPr sz="1200"/>
+            </a:lvl5pPr>
+            <a:lvl6pPr marL="1714500" indent="0" algn="ctr">
+              <a:buNone/>
+              <a:defRPr sz="1200"/>
+            </a:lvl6pPr>
+            <a:lvl7pPr marL="2057400" indent="0" algn="ctr">
+              <a:buNone/>
+              <a:defRPr sz="1200"/>
+            </a:lvl7pPr>
+            <a:lvl8pPr marL="2400300" indent="0" algn="ctr">
+              <a:buNone/>
+              <a:defRPr sz="1200"/>
+            </a:lvl8pPr>
+            <a:lvl9pPr marL="2743200" indent="0" algn="ctr">
+              <a:buNone/>
+              <a:defRPr sz="1200"/>
+            </a:lvl9pPr>
+          </a:lstStyle>
+          <a:p>
+            <a:r>
+              <a:rPr lang="es-ES"/>
+              <a:t>Haga clic para modificar el estilo de subtítulo del patrón</a:t>
+            </a:r>
+          </a:p>
+        </p:txBody>
+      </p:sp>
+      <p:sp>
+        <p:nvSpPr>
+          <p:cNvPr id="4" name="Marcador de fecha 3"/>
+          <p:cNvSpPr>
+            <a:spLocks noGrp="1"/>
+          </p:cNvSpPr>
+          <p:nvPr>
+            <p:ph type="dt" sz="half" idx="10"/>
+          </p:nvPr>
+        </p:nvSpPr>
+        <p:spPr/>
+        <p:txBody>
+          <a:bodyPr/>
+          <a:lstStyle/>
+          <a:p>
+            <a:fld id="{40771E8B-6CA5-40B2-8038-0E112F3DAC1C}" type="datetimeFigureOut">
+              <a:rPr lang="es-ES" smtClean="0"/>
+              <a:t>01/02/2022</a:t>
+            </a:fld>
+            <a:endParaRPr lang="es-ES"/>
+          </a:p>
+        </p:txBody>
+      </p:sp>
+      <p:sp>
+        <p:nvSpPr>
+          <p:cNvPr id="5" name="Marcador de pie de página 4"/>
+          <p:cNvSpPr>
+            <a:spLocks noGrp="1"/>
+          </p:cNvSpPr>
+          <p:nvPr>
+            <p:ph type="ftr" sz="quarter" idx="11"/>
+          </p:nvPr>
+        </p:nvSpPr>
+        <p:spPr/>
+        <p:txBody>
+          <a:bodyPr/>
+          <a:lstStyle/>
+          <a:p>
+            <a:endParaRPr lang="es-ES"/>
+          </a:p>
+        </p:txBody>
+      </p:sp>
+      <p:sp>
+        <p:nvSpPr>
+          <p:cNvPr id="6" name="Marcador de número de diapositiva 5"/>
+          <p:cNvSpPr>
+            <a:spLocks noGrp="1"/>
+          </p:cNvSpPr>
+          <p:nvPr>
+            <p:ph type="sldNum" sz="quarter" idx="12"/>
+          </p:nvPr>
+        </p:nvSpPr>
+        <p:spPr/>
+        <p:txBody>
+          <a:bodyPr/>
+          <a:lstStyle/>
+          <a:p>
+            <a:fld id="{0F1556C4-DFC3-4611-A7CC-780699185E26}" type="slidenum">
+              <a:rPr lang="es-ES" smtClean="0"/>
+              <a:t>‹Nº›</a:t>
+            </a:fld>
+            <a:endParaRPr lang="es-ES"/>
+          </a:p>
+        </p:txBody>
+      </p:sp>
+    </p:spTree>
+    <p:extLst>
+      <p:ext uri="{BB962C8B-B14F-4D97-AF65-F5344CB8AC3E}">
+        <p14:creationId xmlns:p14="http://schemas.microsoft.com/office/powerpoint/2010/main" val="418673519"/>
+      </p:ext>
+    </p:extLst>
+  </p:cSld>
+  <p:clrMapOvr>
+    <a:masterClrMapping/>
+  </p:clrMapOvr>
+</p:sldLayout>
+</file>
+
 <file path=ppt/slideMasters/slideMaster1.xml><?xml version="1.0" encoding="utf-8"?>
 <p:sldMaster xmlns:a="http://schemas.openxmlformats.org/drawingml/2006/main" xmlns:r="http://schemas.openxmlformats.org/officeDocument/2006/relationships" xmlns:p="http://schemas.openxmlformats.org/presentationml/2006/main">
   <p:cSld name="simple-light">
@@ -2358,7 +2570,7 @@
           <p:nvPr/>
         </p:nvPicPr>
         <p:blipFill>
-          <a:blip r:embed="rId5">
+          <a:blip r:embed="rId6">
             <a:alphaModFix/>
           </a:blip>
           <a:stretch>
@@ -3067,6 +3279,7 @@
     <p:sldLayoutId id="2147483648" r:id="rId1"/>
     <p:sldLayoutId id="2147483651" r:id="rId2"/>
     <p:sldLayoutId id="2147483652" r:id="rId3"/>
+    <p:sldLayoutId id="2147483658" r:id="rId4"/>
   </p:sldLayoutIdLst>
   <p:transition>
     <p:fade thruBlk="1"/>
@@ -4513,6 +4726,1713 @@
 </p:sld>
 </file>
 
+<file path=ppt/slides/slide5.xml><?xml version="1.0" encoding="utf-8"?>
+<p:sld xmlns:a="http://schemas.openxmlformats.org/drawingml/2006/main" xmlns:r="http://schemas.openxmlformats.org/officeDocument/2006/relationships" xmlns:p="http://schemas.openxmlformats.org/presentationml/2006/main">
+  <p:cSld>
+    <p:spTree>
+      <p:nvGrpSpPr>
+        <p:cNvPr id="1" name=""/>
+        <p:cNvGrpSpPr/>
+        <p:nvPr/>
+      </p:nvGrpSpPr>
+      <p:grpSpPr>
+        <a:xfrm>
+          <a:off x="0" y="0"/>
+          <a:ext cx="0" cy="0"/>
+          <a:chOff x="0" y="0"/>
+          <a:chExt cx="0" cy="0"/>
+        </a:xfrm>
+      </p:grpSpPr>
+      <p:sp>
+        <p:nvSpPr>
+          <p:cNvPr id="2" name="Título 1"/>
+          <p:cNvSpPr>
+            <a:spLocks noGrp="1"/>
+          </p:cNvSpPr>
+          <p:nvPr>
+            <p:ph type="ctrTitle"/>
+          </p:nvPr>
+        </p:nvSpPr>
+        <p:spPr>
+          <a:xfrm>
+            <a:off x="231962" y="365760"/>
+            <a:ext cx="4147487" cy="1357496"/>
+          </a:xfrm>
+        </p:spPr>
+        <p:txBody>
+          <a:bodyPr spcFirstLastPara="1" vert="horz" wrap="square" lIns="68580" tIns="34290" rIns="68580" bIns="34290" rtlCol="0" anchor="b" anchorCtr="0">
+            <a:normAutofit/>
+          </a:bodyPr>
+          <a:lstStyle/>
+          <a:p>
+            <a:pPr algn="r"/>
+            <a:r>
+              <a:rPr lang="en-US" sz="4950" b="1" u="sng" kern="1200" dirty="0" err="1">
+                <a:solidFill>
+                  <a:srgbClr val="FFFFFF"/>
+                </a:solidFill>
+                <a:latin typeface="+mj-lt"/>
+                <a:ea typeface="+mj-ea"/>
+                <a:cs typeface="+mj-cs"/>
+              </a:rPr>
+              <a:t>Sintaxis</a:t>
+            </a:r>
+            <a:r>
+              <a:rPr lang="en-US" sz="4950" b="1" u="sng" kern="1200" dirty="0">
+                <a:solidFill>
+                  <a:srgbClr val="FFFFFF"/>
+                </a:solidFill>
+                <a:latin typeface="+mj-lt"/>
+                <a:ea typeface="+mj-ea"/>
+                <a:cs typeface="+mj-cs"/>
+              </a:rPr>
+              <a:t> XML</a:t>
+            </a:r>
+            <a:endParaRPr lang="en-US" sz="4950" b="1" u="sng" kern="1200" dirty="0">
+              <a:solidFill>
+                <a:srgbClr val="FFFFFF"/>
+              </a:solidFill>
+              <a:latin typeface="+mj-lt"/>
+              <a:cs typeface="Calibri Light"/>
+            </a:endParaRPr>
+          </a:p>
+        </p:txBody>
+      </p:sp>
+      <p:pic>
+        <p:nvPicPr>
+          <p:cNvPr id="4" name="Imagen 5" descr="Interfaz de usuario gráfica, Texto&#10;&#10;Descripción generada automáticamente">
+            <a:extLst>
+              <a:ext uri="{FF2B5EF4-FFF2-40B4-BE49-F238E27FC236}">
+                <a16:creationId xmlns:a16="http://schemas.microsoft.com/office/drawing/2014/main" id="{A2B8AF3F-E5BA-4222-8D1F-FE65083DACFB}"/>
+              </a:ext>
+            </a:extLst>
+          </p:cNvPr>
+          <p:cNvPicPr>
+            <a:picLocks noChangeAspect="1"/>
+          </p:cNvPicPr>
+          <p:nvPr/>
+        </p:nvPicPr>
+        <p:blipFill>
+          <a:blip r:embed="rId2"/>
+          <a:stretch>
+            <a:fillRect/>
+          </a:stretch>
+        </p:blipFill>
+        <p:spPr>
+          <a:xfrm>
+            <a:off x="321650" y="1896899"/>
+            <a:ext cx="3618099" cy="2480141"/>
+          </a:xfrm>
+          <a:prstGeom prst="rect">
+            <a:avLst/>
+          </a:prstGeom>
+        </p:spPr>
+      </p:pic>
+      <p:sp>
+        <p:nvSpPr>
+          <p:cNvPr id="5" name="Subtítulo 2">
+            <a:extLst>
+              <a:ext uri="{FF2B5EF4-FFF2-40B4-BE49-F238E27FC236}">
+                <a16:creationId xmlns:a16="http://schemas.microsoft.com/office/drawing/2014/main" id="{AC2D8BF8-4BE7-4EB6-9040-85B8264D9558}"/>
+              </a:ext>
+            </a:extLst>
+          </p:cNvPr>
+          <p:cNvSpPr txBox="1">
+            <a:spLocks/>
+          </p:cNvSpPr>
+          <p:nvPr/>
+        </p:nvSpPr>
+        <p:spPr>
+          <a:xfrm>
+            <a:off x="4957609" y="208580"/>
+            <a:ext cx="3487832" cy="2359607"/>
+          </a:xfrm>
+          <a:prstGeom prst="rect">
+            <a:avLst/>
+          </a:prstGeom>
+        </p:spPr>
+        <p:txBody>
+          <a:bodyPr vert="horz" lIns="68580" tIns="34290" rIns="68580" bIns="34290" rtlCol="0" anchor="t">
+            <a:normAutofit fontScale="85000" lnSpcReduction="20000"/>
+          </a:bodyPr>
+          <a:lstStyle>
+            <a:lvl1pPr marL="0" indent="0" algn="ctr" defTabSz="914400" rtl="0" eaLnBrk="1" latinLnBrk="0" hangingPunct="1">
+              <a:lnSpc>
+                <a:spcPct val="90000"/>
+              </a:lnSpc>
+              <a:spcBef>
+                <a:spcPts val="1000"/>
+              </a:spcBef>
+              <a:buFont typeface="Arial" panose="020B0604020202020204" pitchFamily="34" charset="0"/>
+              <a:buNone/>
+              <a:defRPr sz="2400" kern="1200">
+                <a:solidFill>
+                  <a:schemeClr val="tx1"/>
+                </a:solidFill>
+                <a:latin typeface="+mn-lt"/>
+                <a:ea typeface="+mn-ea"/>
+                <a:cs typeface="+mn-cs"/>
+              </a:defRPr>
+            </a:lvl1pPr>
+            <a:lvl2pPr marL="457200" indent="0" algn="ctr" defTabSz="914400" rtl="0" eaLnBrk="1" latinLnBrk="0" hangingPunct="1">
+              <a:lnSpc>
+                <a:spcPct val="90000"/>
+              </a:lnSpc>
+              <a:spcBef>
+                <a:spcPts val="500"/>
+              </a:spcBef>
+              <a:buFont typeface="Arial" panose="020B0604020202020204" pitchFamily="34" charset="0"/>
+              <a:buNone/>
+              <a:defRPr sz="2000" kern="1200">
+                <a:solidFill>
+                  <a:schemeClr val="tx1"/>
+                </a:solidFill>
+                <a:latin typeface="+mn-lt"/>
+                <a:ea typeface="+mn-ea"/>
+                <a:cs typeface="+mn-cs"/>
+              </a:defRPr>
+            </a:lvl2pPr>
+            <a:lvl3pPr marL="914400" indent="0" algn="ctr" defTabSz="914400" rtl="0" eaLnBrk="1" latinLnBrk="0" hangingPunct="1">
+              <a:lnSpc>
+                <a:spcPct val="90000"/>
+              </a:lnSpc>
+              <a:spcBef>
+                <a:spcPts val="500"/>
+              </a:spcBef>
+              <a:buFont typeface="Arial" panose="020B0604020202020204" pitchFamily="34" charset="0"/>
+              <a:buNone/>
+              <a:defRPr sz="1800" kern="1200">
+                <a:solidFill>
+                  <a:schemeClr val="tx1"/>
+                </a:solidFill>
+                <a:latin typeface="+mn-lt"/>
+                <a:ea typeface="+mn-ea"/>
+                <a:cs typeface="+mn-cs"/>
+              </a:defRPr>
+            </a:lvl3pPr>
+            <a:lvl4pPr marL="1371600" indent="0" algn="ctr" defTabSz="914400" rtl="0" eaLnBrk="1" latinLnBrk="0" hangingPunct="1">
+              <a:lnSpc>
+                <a:spcPct val="90000"/>
+              </a:lnSpc>
+              <a:spcBef>
+                <a:spcPts val="500"/>
+              </a:spcBef>
+              <a:buFont typeface="Arial" panose="020B0604020202020204" pitchFamily="34" charset="0"/>
+              <a:buNone/>
+              <a:defRPr sz="1600" kern="1200">
+                <a:solidFill>
+                  <a:schemeClr val="tx1"/>
+                </a:solidFill>
+                <a:latin typeface="+mn-lt"/>
+                <a:ea typeface="+mn-ea"/>
+                <a:cs typeface="+mn-cs"/>
+              </a:defRPr>
+            </a:lvl4pPr>
+            <a:lvl5pPr marL="1828800" indent="0" algn="ctr" defTabSz="914400" rtl="0" eaLnBrk="1" latinLnBrk="0" hangingPunct="1">
+              <a:lnSpc>
+                <a:spcPct val="90000"/>
+              </a:lnSpc>
+              <a:spcBef>
+                <a:spcPts val="500"/>
+              </a:spcBef>
+              <a:buFont typeface="Arial" panose="020B0604020202020204" pitchFamily="34" charset="0"/>
+              <a:buNone/>
+              <a:defRPr sz="1600" kern="1200">
+                <a:solidFill>
+                  <a:schemeClr val="tx1"/>
+                </a:solidFill>
+                <a:latin typeface="+mn-lt"/>
+                <a:ea typeface="+mn-ea"/>
+                <a:cs typeface="+mn-cs"/>
+              </a:defRPr>
+            </a:lvl5pPr>
+            <a:lvl6pPr marL="2286000" indent="0" algn="ctr" defTabSz="914400" rtl="0" eaLnBrk="1" latinLnBrk="0" hangingPunct="1">
+              <a:lnSpc>
+                <a:spcPct val="90000"/>
+              </a:lnSpc>
+              <a:spcBef>
+                <a:spcPts val="500"/>
+              </a:spcBef>
+              <a:buFont typeface="Arial" panose="020B0604020202020204" pitchFamily="34" charset="0"/>
+              <a:buNone/>
+              <a:defRPr sz="1600" kern="1200">
+                <a:solidFill>
+                  <a:schemeClr val="tx1"/>
+                </a:solidFill>
+                <a:latin typeface="+mn-lt"/>
+                <a:ea typeface="+mn-ea"/>
+                <a:cs typeface="+mn-cs"/>
+              </a:defRPr>
+            </a:lvl6pPr>
+            <a:lvl7pPr marL="2743200" indent="0" algn="ctr" defTabSz="914400" rtl="0" eaLnBrk="1" latinLnBrk="0" hangingPunct="1">
+              <a:lnSpc>
+                <a:spcPct val="90000"/>
+              </a:lnSpc>
+              <a:spcBef>
+                <a:spcPts val="500"/>
+              </a:spcBef>
+              <a:buFont typeface="Arial" panose="020B0604020202020204" pitchFamily="34" charset="0"/>
+              <a:buNone/>
+              <a:defRPr sz="1600" kern="1200">
+                <a:solidFill>
+                  <a:schemeClr val="tx1"/>
+                </a:solidFill>
+                <a:latin typeface="+mn-lt"/>
+                <a:ea typeface="+mn-ea"/>
+                <a:cs typeface="+mn-cs"/>
+              </a:defRPr>
+            </a:lvl7pPr>
+            <a:lvl8pPr marL="3200400" indent="0" algn="ctr" defTabSz="914400" rtl="0" eaLnBrk="1" latinLnBrk="0" hangingPunct="1">
+              <a:lnSpc>
+                <a:spcPct val="90000"/>
+              </a:lnSpc>
+              <a:spcBef>
+                <a:spcPts val="500"/>
+              </a:spcBef>
+              <a:buFont typeface="Arial" panose="020B0604020202020204" pitchFamily="34" charset="0"/>
+              <a:buNone/>
+              <a:defRPr sz="1600" kern="1200">
+                <a:solidFill>
+                  <a:schemeClr val="tx1"/>
+                </a:solidFill>
+                <a:latin typeface="+mn-lt"/>
+                <a:ea typeface="+mn-ea"/>
+                <a:cs typeface="+mn-cs"/>
+              </a:defRPr>
+            </a:lvl8pPr>
+            <a:lvl9pPr marL="3657600" indent="0" algn="ctr" defTabSz="914400" rtl="0" eaLnBrk="1" latinLnBrk="0" hangingPunct="1">
+              <a:lnSpc>
+                <a:spcPct val="90000"/>
+              </a:lnSpc>
+              <a:spcBef>
+                <a:spcPts val="500"/>
+              </a:spcBef>
+              <a:buFont typeface="Arial" panose="020B0604020202020204" pitchFamily="34" charset="0"/>
+              <a:buNone/>
+              <a:defRPr sz="1600" kern="1200">
+                <a:solidFill>
+                  <a:schemeClr val="tx1"/>
+                </a:solidFill>
+                <a:latin typeface="+mn-lt"/>
+                <a:ea typeface="+mn-ea"/>
+                <a:cs typeface="+mn-cs"/>
+              </a:defRPr>
+            </a:lvl9pPr>
+          </a:lstStyle>
+          <a:p>
+            <a:pPr algn="l"/>
+            <a:r>
+              <a:rPr lang="es-ES" sz="3000" b="1" dirty="0">
+                <a:ea typeface="+mn-lt"/>
+                <a:cs typeface="+mn-lt"/>
+              </a:rPr>
+              <a:t>El documento puede tener una declaración XML:</a:t>
+            </a:r>
+            <a:endParaRPr lang="es-ES" sz="3000" b="1"/>
+          </a:p>
+          <a:p>
+            <a:pPr algn="l"/>
+            <a:endParaRPr lang="es-ES" sz="1500" dirty="0">
+              <a:solidFill>
+                <a:srgbClr val="000000"/>
+              </a:solidFill>
+              <a:latin typeface="Calibri"/>
+              <a:cs typeface="Calibri"/>
+            </a:endParaRPr>
+          </a:p>
+          <a:p>
+            <a:pPr algn="l"/>
+            <a:endParaRPr lang="es-ES" sz="1500" b="1" dirty="0">
+              <a:solidFill>
+                <a:srgbClr val="FF0000"/>
+              </a:solidFill>
+              <a:latin typeface="Consolas"/>
+              <a:cs typeface="Calibri"/>
+            </a:endParaRPr>
+          </a:p>
+          <a:p>
+            <a:pPr algn="l"/>
+            <a:br>
+              <a:rPr lang="es-ES" sz="1500" dirty="0">
+                <a:latin typeface="Consolas"/>
+                <a:cs typeface="Calibri"/>
+              </a:rPr>
+            </a:br>
+            <a:r>
+              <a:rPr lang="es-ES" sz="1800" dirty="0">
+                <a:latin typeface="Calibri"/>
+                <a:cs typeface="Calibri"/>
+              </a:rPr>
+              <a:t>Donde </a:t>
+            </a:r>
+            <a:r>
+              <a:rPr lang="es-ES" sz="1800" b="1" dirty="0">
+                <a:latin typeface="Calibri"/>
+                <a:cs typeface="Calibri"/>
+              </a:rPr>
+              <a:t>versión</a:t>
+            </a:r>
+            <a:r>
+              <a:rPr lang="es-ES" sz="1800" dirty="0">
+                <a:latin typeface="Calibri"/>
+                <a:cs typeface="Calibri"/>
+              </a:rPr>
+              <a:t> es la versión de XML y la</a:t>
+            </a:r>
+            <a:r>
+              <a:rPr lang="es-ES" sz="1800" b="1" dirty="0">
+                <a:latin typeface="Calibri"/>
+                <a:cs typeface="Calibri"/>
+              </a:rPr>
+              <a:t> codificación</a:t>
+            </a:r>
+            <a:r>
+              <a:rPr lang="es-ES" sz="1800" dirty="0">
+                <a:latin typeface="Calibri"/>
+                <a:cs typeface="Calibri"/>
+              </a:rPr>
+              <a:t> especifica la codificación de caracteres usada en el documento.</a:t>
+            </a:r>
+            <a:endParaRPr lang="es-ES" sz="1800">
+              <a:latin typeface="Calibri"/>
+              <a:cs typeface="Calibri"/>
+            </a:endParaRPr>
+          </a:p>
+        </p:txBody>
+      </p:sp>
+      <p:sp>
+        <p:nvSpPr>
+          <p:cNvPr id="6" name="CuadroTexto 5">
+            <a:extLst>
+              <a:ext uri="{FF2B5EF4-FFF2-40B4-BE49-F238E27FC236}">
+                <a16:creationId xmlns:a16="http://schemas.microsoft.com/office/drawing/2014/main" id="{A7E82D7A-1367-448F-A55B-B455F6CE42E9}"/>
+              </a:ext>
+            </a:extLst>
+          </p:cNvPr>
+          <p:cNvSpPr txBox="1"/>
+          <p:nvPr/>
+        </p:nvSpPr>
+        <p:spPr>
+          <a:xfrm>
+            <a:off x="4988499" y="2761508"/>
+            <a:ext cx="3635891" cy="1592744"/>
+          </a:xfrm>
+          <a:prstGeom prst="rect">
+            <a:avLst/>
+          </a:prstGeom>
+          <a:noFill/>
+        </p:spPr>
+        <p:txBody>
+          <a:bodyPr rot="0" spcFirstLastPara="0" vertOverflow="overflow" horzOverflow="overflow" vert="horz" wrap="square" lIns="68580" tIns="34290" rIns="68580" bIns="34290" numCol="1" spcCol="0" rtlCol="0" fromWordArt="0" anchor="t" anchorCtr="0" forceAA="0" compatLnSpc="1">
+            <a:prstTxWarp prst="textNoShape">
+              <a:avLst/>
+            </a:prstTxWarp>
+            <a:spAutoFit/>
+          </a:bodyPr>
+          <a:lstStyle/>
+          <a:p>
+            <a:r>
+              <a:rPr lang="es" sz="1650" dirty="0">
+                <a:latin typeface="Calibri"/>
+                <a:cs typeface="Calibri"/>
+              </a:rPr>
+              <a:t>Un </a:t>
+            </a:r>
+            <a:r>
+              <a:rPr lang="es" sz="1650" b="1" dirty="0">
+                <a:latin typeface="Calibri"/>
+                <a:cs typeface="Calibri"/>
+              </a:rPr>
+              <a:t>documento</a:t>
+            </a:r>
+            <a:r>
+              <a:rPr lang="es" sz="1650" dirty="0">
+                <a:latin typeface="Calibri"/>
+                <a:cs typeface="Calibri"/>
+              </a:rPr>
+              <a:t> bien formado en XML es un documento que "se adhiere a las reglas de sintaxis especificadas por la especificación XML 1.0 en el sentido de que debe satisfacer tanto las estructuras físicas como las lógicas".</a:t>
+            </a:r>
+            <a:endParaRPr lang="es-ES" sz="1650" dirty="0">
+              <a:latin typeface="Calibri"/>
+              <a:cs typeface="Calibri"/>
+            </a:endParaRPr>
+          </a:p>
+        </p:txBody>
+      </p:sp>
+      <p:sp>
+        <p:nvSpPr>
+          <p:cNvPr id="7" name="CuadroTexto 6">
+            <a:extLst>
+              <a:ext uri="{FF2B5EF4-FFF2-40B4-BE49-F238E27FC236}">
+                <a16:creationId xmlns:a16="http://schemas.microsoft.com/office/drawing/2014/main" id="{A8284C4F-4937-412E-9E9D-B996FCB9A5A8}"/>
+              </a:ext>
+            </a:extLst>
+          </p:cNvPr>
+          <p:cNvSpPr txBox="1"/>
+          <p:nvPr/>
+        </p:nvSpPr>
+        <p:spPr>
+          <a:xfrm>
+            <a:off x="4955241" y="1198470"/>
+            <a:ext cx="3956797" cy="230832"/>
+          </a:xfrm>
+          <a:prstGeom prst="rect">
+            <a:avLst/>
+          </a:prstGeom>
+          <a:noFill/>
+        </p:spPr>
+        <p:txBody>
+          <a:bodyPr rot="0" spcFirstLastPara="0" vertOverflow="overflow" horzOverflow="overflow" vert="horz" wrap="square" lIns="68580" tIns="34290" rIns="68580" bIns="34290" numCol="1" spcCol="0" rtlCol="0" fromWordArt="0" anchor="t" anchorCtr="0" forceAA="0" compatLnSpc="1">
+            <a:prstTxWarp prst="textNoShape">
+              <a:avLst/>
+            </a:prstTxWarp>
+            <a:spAutoFit/>
+          </a:bodyPr>
+          <a:lstStyle/>
+          <a:p>
+            <a:r>
+              <a:rPr lang="es-ES" sz="1050" b="1" dirty="0">
+                <a:solidFill>
+                  <a:srgbClr val="FF0000"/>
+                </a:solidFill>
+                <a:latin typeface="Consolas"/>
+              </a:rPr>
+              <a:t>&lt;?</a:t>
+            </a:r>
+            <a:r>
+              <a:rPr lang="es-ES" sz="1050" b="1" dirty="0" err="1">
+                <a:solidFill>
+                  <a:srgbClr val="FF0000"/>
+                </a:solidFill>
+                <a:latin typeface="Consolas"/>
+              </a:rPr>
+              <a:t>xml</a:t>
+            </a:r>
+            <a:r>
+              <a:rPr lang="es-ES" sz="1050" b="1" dirty="0">
+                <a:solidFill>
+                  <a:srgbClr val="FF0000"/>
+                </a:solidFill>
+                <a:latin typeface="Consolas"/>
+              </a:rPr>
+              <a:t> </a:t>
+            </a:r>
+            <a:r>
+              <a:rPr lang="es-ES" sz="1050" b="1" dirty="0" err="1">
+                <a:solidFill>
+                  <a:srgbClr val="FF0000"/>
+                </a:solidFill>
+                <a:latin typeface="Consolas"/>
+              </a:rPr>
+              <a:t>version</a:t>
+            </a:r>
+            <a:r>
+              <a:rPr lang="es-ES" sz="1050" b="1" dirty="0">
+                <a:solidFill>
+                  <a:srgbClr val="FF0000"/>
+                </a:solidFill>
+                <a:latin typeface="Consolas"/>
+              </a:rPr>
+              <a:t>="1.0" </a:t>
+            </a:r>
+            <a:r>
+              <a:rPr lang="es-ES" sz="1050" b="1" dirty="0" err="1">
+                <a:solidFill>
+                  <a:srgbClr val="FF0000"/>
+                </a:solidFill>
+                <a:latin typeface="Consolas"/>
+              </a:rPr>
+              <a:t>encoding</a:t>
+            </a:r>
+            <a:r>
+              <a:rPr lang="es-ES" sz="1050" b="1" dirty="0">
+                <a:solidFill>
+                  <a:srgbClr val="FF0000"/>
+                </a:solidFill>
+                <a:latin typeface="Consolas"/>
+              </a:rPr>
+              <a:t>="UTF-8"?&gt;</a:t>
+            </a:r>
+            <a:endParaRPr lang="es-ES" sz="1050" dirty="0"/>
+          </a:p>
+        </p:txBody>
+      </p:sp>
+    </p:spTree>
+    <p:extLst>
+      <p:ext uri="{BB962C8B-B14F-4D97-AF65-F5344CB8AC3E}">
+        <p14:creationId xmlns:p14="http://schemas.microsoft.com/office/powerpoint/2010/main" val="4105103392"/>
+      </p:ext>
+    </p:extLst>
+  </p:cSld>
+  <p:clrMapOvr>
+    <a:masterClrMapping/>
+  </p:clrMapOvr>
+</p:sld>
+</file>
+
+<file path=ppt/slides/slide6.xml><?xml version="1.0" encoding="utf-8"?>
+<p:sld xmlns:a="http://schemas.openxmlformats.org/drawingml/2006/main" xmlns:r="http://schemas.openxmlformats.org/officeDocument/2006/relationships" xmlns:p="http://schemas.openxmlformats.org/presentationml/2006/main">
+  <p:cSld>
+    <p:spTree>
+      <p:nvGrpSpPr>
+        <p:cNvPr id="1" name=""/>
+        <p:cNvGrpSpPr/>
+        <p:nvPr/>
+      </p:nvGrpSpPr>
+      <p:grpSpPr>
+        <a:xfrm>
+          <a:off x="0" y="0"/>
+          <a:ext cx="0" cy="0"/>
+          <a:chOff x="0" y="0"/>
+          <a:chExt cx="0" cy="0"/>
+        </a:xfrm>
+      </p:grpSpPr>
+      <p:sp>
+        <p:nvSpPr>
+          <p:cNvPr id="2" name="Título 1"/>
+          <p:cNvSpPr>
+            <a:spLocks noGrp="1"/>
+          </p:cNvSpPr>
+          <p:nvPr>
+            <p:ph type="ctrTitle"/>
+          </p:nvPr>
+        </p:nvSpPr>
+        <p:spPr>
+          <a:xfrm>
+            <a:off x="119145" y="-1043790"/>
+            <a:ext cx="4147487" cy="2540623"/>
+          </a:xfrm>
+        </p:spPr>
+        <p:txBody>
+          <a:bodyPr spcFirstLastPara="1" vert="horz" wrap="square" lIns="68580" tIns="34290" rIns="68580" bIns="34290" rtlCol="0" anchor="b" anchorCtr="0">
+            <a:normAutofit/>
+          </a:bodyPr>
+          <a:lstStyle/>
+          <a:p>
+            <a:pPr algn="r"/>
+            <a:r>
+              <a:rPr lang="en-US" sz="4950" b="1" u="sng" kern="1200" dirty="0" err="1">
+                <a:solidFill>
+                  <a:srgbClr val="FFFFFF"/>
+                </a:solidFill>
+                <a:latin typeface="+mj-lt"/>
+                <a:ea typeface="+mj-ea"/>
+                <a:cs typeface="+mj-cs"/>
+              </a:rPr>
+              <a:t>Sintaxis</a:t>
+            </a:r>
+            <a:r>
+              <a:rPr lang="en-US" sz="4950" b="1" u="sng" kern="1200" dirty="0">
+                <a:solidFill>
+                  <a:srgbClr val="FFFFFF"/>
+                </a:solidFill>
+                <a:latin typeface="+mj-lt"/>
+                <a:ea typeface="+mj-ea"/>
+                <a:cs typeface="+mj-cs"/>
+              </a:rPr>
+              <a:t> XML</a:t>
+            </a:r>
+            <a:endParaRPr lang="en-US" sz="4950" b="1" u="sng" kern="1200" dirty="0">
+              <a:solidFill>
+                <a:srgbClr val="FFFFFF"/>
+              </a:solidFill>
+              <a:latin typeface="+mj-lt"/>
+              <a:cs typeface="Calibri Light"/>
+            </a:endParaRPr>
+          </a:p>
+        </p:txBody>
+      </p:sp>
+      <p:sp>
+        <p:nvSpPr>
+          <p:cNvPr id="3" name="Subtítulo 2"/>
+          <p:cNvSpPr>
+            <a:spLocks noGrp="1"/>
+          </p:cNvSpPr>
+          <p:nvPr>
+            <p:ph type="subTitle" idx="1"/>
+          </p:nvPr>
+        </p:nvSpPr>
+        <p:spPr>
+          <a:xfrm>
+            <a:off x="4877369" y="487111"/>
+            <a:ext cx="3646835" cy="4159535"/>
+          </a:xfrm>
+        </p:spPr>
+        <p:txBody>
+          <a:bodyPr spcFirstLastPara="1" vert="horz" wrap="square" lIns="68580" tIns="34290" rIns="68580" bIns="34290" rtlCol="0" anchor="ctr" anchorCtr="0">
+            <a:normAutofit fontScale="85000" lnSpcReduction="20000"/>
+          </a:bodyPr>
+          <a:lstStyle/>
+          <a:p>
+            <a:pPr indent="-171450" algn="l">
+              <a:buFont typeface="Arial" panose="020B0604020202020204" pitchFamily="34" charset="0"/>
+              <a:buChar char="•"/>
+            </a:pPr>
+            <a:r>
+              <a:rPr lang="es-ES_tradnl" b="1" dirty="0"/>
+              <a:t>Estructura</a:t>
+            </a:r>
+            <a:r>
+              <a:rPr lang="en-US" b="1" dirty="0"/>
+              <a:t> del XML:</a:t>
+            </a:r>
+          </a:p>
+          <a:p>
+            <a:pPr indent="-171450" algn="l">
+              <a:buFont typeface="Arial" panose="020B0604020202020204" pitchFamily="34" charset="0"/>
+              <a:buChar char="•"/>
+            </a:pPr>
+            <a:r>
+              <a:rPr lang="en-US" sz="1275" dirty="0"/>
+              <a:t>Un Archivo XML </a:t>
+            </a:r>
+            <a:r>
+              <a:rPr lang="en-US" sz="1275" dirty="0" err="1"/>
+              <a:t>está</a:t>
+            </a:r>
+            <a:r>
+              <a:rPr lang="en-US" sz="1275" dirty="0"/>
+              <a:t> </a:t>
+            </a:r>
+            <a:r>
+              <a:rPr lang="en-US" sz="1275" dirty="0" err="1"/>
+              <a:t>estructurado</a:t>
+            </a:r>
+            <a:r>
+              <a:rPr lang="en-US" sz="1275" dirty="0"/>
+              <a:t> por </a:t>
+            </a:r>
+            <a:r>
+              <a:rPr lang="en-US" sz="1275" dirty="0" err="1"/>
+              <a:t>varios</a:t>
+            </a:r>
+            <a:r>
+              <a:rPr lang="en-US" sz="1275" dirty="0"/>
+              <a:t> </a:t>
+            </a:r>
+            <a:r>
+              <a:rPr lang="es-ES" sz="1275" dirty="0"/>
+              <a:t>elementos</a:t>
+            </a:r>
+            <a:r>
+              <a:rPr lang="en-US" sz="1275" dirty="0"/>
+              <a:t> XML, </a:t>
+            </a:r>
+            <a:r>
+              <a:rPr lang="en-US" sz="1275" dirty="0" err="1"/>
+              <a:t>también</a:t>
+            </a:r>
+            <a:r>
+              <a:rPr lang="en-US" sz="1275" dirty="0"/>
+              <a:t> </a:t>
+            </a:r>
+            <a:r>
+              <a:rPr lang="en-US" sz="1275" dirty="0" err="1"/>
+              <a:t>llamado</a:t>
+            </a:r>
+            <a:r>
+              <a:rPr lang="en-US" sz="1275" dirty="0"/>
+              <a:t> XML-</a:t>
+            </a:r>
+            <a:r>
+              <a:rPr lang="en-US" sz="1275" dirty="0" err="1"/>
+              <a:t>nodos</a:t>
+            </a:r>
+            <a:r>
+              <a:rPr lang="en-US" sz="1275" dirty="0"/>
+              <a:t> o las </a:t>
+            </a:r>
+            <a:r>
+              <a:rPr lang="en-US" sz="1275" dirty="0" err="1"/>
+              <a:t>etiquetas</a:t>
+            </a:r>
+            <a:r>
+              <a:rPr lang="en-US" sz="1275" dirty="0"/>
+              <a:t> XML. XML los </a:t>
+            </a:r>
+            <a:r>
+              <a:rPr lang="en-US" sz="1275" dirty="0" err="1"/>
+              <a:t>nombres</a:t>
+            </a:r>
+            <a:r>
+              <a:rPr lang="en-US" sz="1275" dirty="0"/>
+              <a:t> de los </a:t>
+            </a:r>
+            <a:r>
+              <a:rPr lang="en-US" sz="1275" dirty="0" err="1"/>
+              <a:t>elementos</a:t>
+            </a:r>
+            <a:r>
+              <a:rPr lang="en-US" sz="1275" dirty="0"/>
+              <a:t> </a:t>
+            </a:r>
+            <a:r>
+              <a:rPr lang="en-US" sz="1275" dirty="0" err="1"/>
+              <a:t>están</a:t>
+            </a:r>
+            <a:r>
+              <a:rPr lang="en-US" sz="1275" dirty="0"/>
+              <a:t> </a:t>
+            </a:r>
+            <a:r>
+              <a:rPr lang="en-US" sz="1275" dirty="0" err="1"/>
+              <a:t>encerrados</a:t>
+            </a:r>
+            <a:r>
+              <a:rPr lang="en-US" sz="1275" dirty="0"/>
+              <a:t> por </a:t>
+            </a:r>
+            <a:r>
+              <a:rPr lang="en-US" sz="1275" dirty="0" err="1"/>
+              <a:t>corchetes</a:t>
+            </a:r>
+            <a:r>
+              <a:rPr lang="en-US" sz="1275" dirty="0"/>
+              <a:t> </a:t>
+            </a:r>
+            <a:r>
+              <a:rPr lang="en-US" sz="1275" dirty="0" err="1"/>
+              <a:t>triangulares</a:t>
+            </a:r>
+            <a:r>
+              <a:rPr lang="en-US" sz="1275" dirty="0"/>
+              <a:t> &lt; &gt; </a:t>
+            </a:r>
+            <a:r>
+              <a:rPr lang="en-US" sz="1275" dirty="0" err="1"/>
+              <a:t>tal</a:t>
+            </a:r>
+            <a:r>
+              <a:rPr lang="en-US" sz="1275" dirty="0"/>
+              <a:t> y </a:t>
+            </a:r>
+            <a:r>
+              <a:rPr lang="en-US" sz="1275" dirty="0" err="1"/>
+              <a:t>como</a:t>
+            </a:r>
+            <a:r>
+              <a:rPr lang="en-US" sz="1275" dirty="0"/>
+              <a:t> se indica a </a:t>
+            </a:r>
+            <a:r>
+              <a:rPr lang="en-US" sz="1275" dirty="0" err="1"/>
+              <a:t>continuación</a:t>
+            </a:r>
+            <a:r>
+              <a:rPr lang="en-US" sz="1275" dirty="0"/>
+              <a:t>:</a:t>
+            </a:r>
+            <a:endParaRPr lang="en-US" sz="1275" dirty="0">
+              <a:cs typeface="Calibri"/>
+            </a:endParaRPr>
+          </a:p>
+          <a:p>
+            <a:pPr indent="-171450" algn="l">
+              <a:buFont typeface="Arial" panose="020B0604020202020204" pitchFamily="34" charset="0"/>
+              <a:buChar char="•"/>
+            </a:pPr>
+            <a:r>
+              <a:rPr lang="en-US" sz="1275" b="1" dirty="0"/>
+              <a:t>&lt;element&gt;</a:t>
+            </a:r>
+            <a:endParaRPr lang="en-US" sz="1275" b="1" dirty="0">
+              <a:cs typeface="Calibri"/>
+            </a:endParaRPr>
+          </a:p>
+          <a:p>
+            <a:pPr algn="l"/>
+            <a:endParaRPr lang="en-US" sz="1275" b="1" dirty="0">
+              <a:cs typeface="Calibri"/>
+            </a:endParaRPr>
+          </a:p>
+          <a:p>
+            <a:pPr algn="l"/>
+            <a:r>
+              <a:rPr lang="en-US" b="1" dirty="0"/>
+              <a:t>Las </a:t>
+            </a:r>
+            <a:r>
+              <a:rPr lang="en-US" b="1" dirty="0" err="1"/>
+              <a:t>reglas</a:t>
+            </a:r>
+            <a:r>
+              <a:rPr lang="en-US" b="1" dirty="0"/>
+              <a:t> de la </a:t>
+            </a:r>
+            <a:r>
+              <a:rPr lang="en-US" b="1" dirty="0" err="1"/>
+              <a:t>sintaxis</a:t>
+            </a:r>
+            <a:r>
+              <a:rPr lang="en-US" b="1" dirty="0"/>
+              <a:t> de las </a:t>
+            </a:r>
+            <a:r>
+              <a:rPr lang="en-US" b="1" dirty="0" err="1"/>
+              <a:t>etiquetas</a:t>
+            </a:r>
+            <a:r>
+              <a:rPr lang="en-US" b="1" dirty="0"/>
+              <a:t> y </a:t>
+            </a:r>
+            <a:r>
+              <a:rPr lang="en-US" b="1" dirty="0" err="1"/>
+              <a:t>elementos</a:t>
+            </a:r>
+            <a:r>
+              <a:rPr lang="en-US" b="1" dirty="0"/>
+              <a:t>:</a:t>
+            </a:r>
+            <a:endParaRPr lang="en-US" dirty="0">
+              <a:cs typeface="Calibri" panose="020F0502020204030204"/>
+            </a:endParaRPr>
+          </a:p>
+          <a:p>
+            <a:pPr algn="l"/>
+            <a:endParaRPr lang="en-US" b="1" dirty="0"/>
+          </a:p>
+          <a:p>
+            <a:pPr indent="-171450" algn="l">
+              <a:buFont typeface="Arial" panose="020B0604020202020204" pitchFamily="34" charset="0"/>
+              <a:buChar char="•"/>
+            </a:pPr>
+            <a:r>
+              <a:rPr lang="en-US" sz="1275" b="1" dirty="0" err="1"/>
+              <a:t>Sintaxis</a:t>
+            </a:r>
+            <a:r>
+              <a:rPr lang="en-US" sz="1275" b="1" dirty="0"/>
+              <a:t> de </a:t>
+            </a:r>
+            <a:r>
+              <a:rPr lang="en-US" sz="1275" b="1" dirty="0" err="1"/>
+              <a:t>Elemento</a:t>
+            </a:r>
+            <a:r>
+              <a:rPr lang="en-US" sz="1275" b="1" dirty="0"/>
+              <a:t>: </a:t>
+            </a:r>
+            <a:r>
+              <a:rPr lang="en-US" sz="1275" dirty="0"/>
+              <a:t>XML Cada </a:t>
+            </a:r>
+            <a:r>
+              <a:rPr lang="en-US" sz="1275" dirty="0" err="1"/>
+              <a:t>elemento</a:t>
+            </a:r>
+            <a:r>
+              <a:rPr lang="en-US" sz="1275" dirty="0"/>
+              <a:t> </a:t>
+            </a:r>
+            <a:r>
+              <a:rPr lang="en-US" sz="1275" dirty="0" err="1"/>
+              <a:t>tiene</a:t>
+            </a:r>
+            <a:r>
+              <a:rPr lang="en-US" sz="1275" dirty="0"/>
+              <a:t> que </a:t>
+            </a:r>
+            <a:r>
+              <a:rPr lang="en-US" sz="1275" dirty="0" err="1"/>
+              <a:t>estar</a:t>
+            </a:r>
+            <a:r>
+              <a:rPr lang="en-US" sz="1275" dirty="0"/>
+              <a:t> </a:t>
+            </a:r>
+            <a:r>
+              <a:rPr lang="en-US" sz="1275" dirty="0" err="1"/>
+              <a:t>cerrada</a:t>
+            </a:r>
+            <a:r>
+              <a:rPr lang="en-US" sz="1275" dirty="0"/>
+              <a:t> o con </a:t>
+            </a:r>
+            <a:r>
+              <a:rPr lang="en-US" sz="1275" dirty="0" err="1"/>
+              <a:t>inicio</a:t>
+            </a:r>
+            <a:r>
+              <a:rPr lang="en-US" sz="1275" dirty="0"/>
+              <a:t> o final con </a:t>
+            </a:r>
+            <a:r>
+              <a:rPr lang="en-US" sz="1275" dirty="0" err="1"/>
+              <a:t>elementos</a:t>
+            </a:r>
+            <a:r>
+              <a:rPr lang="en-US" sz="1275" dirty="0"/>
+              <a:t> </a:t>
+            </a:r>
+            <a:r>
+              <a:rPr lang="en-US" sz="1275" dirty="0" err="1"/>
+              <a:t>como</a:t>
+            </a:r>
+            <a:r>
+              <a:rPr lang="en-US" sz="1275" dirty="0"/>
+              <a:t> se </a:t>
+            </a:r>
+            <a:r>
+              <a:rPr lang="en-US" sz="1275" dirty="0" err="1"/>
+              <a:t>muestra</a:t>
+            </a:r>
+            <a:r>
+              <a:rPr lang="en-US" sz="1275" dirty="0"/>
+              <a:t> a </a:t>
+            </a:r>
+            <a:r>
+              <a:rPr lang="en-US" sz="1275" dirty="0" err="1"/>
+              <a:t>continuación</a:t>
+            </a:r>
+            <a:r>
+              <a:rPr lang="en-US" sz="1275" dirty="0"/>
+              <a:t>:</a:t>
+            </a:r>
+            <a:endParaRPr lang="en-US" sz="1275" dirty="0">
+              <a:cs typeface="Calibri"/>
+            </a:endParaRPr>
+          </a:p>
+          <a:p>
+            <a:pPr indent="-171450" algn="l">
+              <a:buFont typeface="Arial" panose="020B0604020202020204" pitchFamily="34" charset="0"/>
+              <a:buChar char="•"/>
+            </a:pPr>
+            <a:r>
+              <a:rPr lang="en-US" sz="1275" b="1" dirty="0"/>
+              <a:t>&lt;element&gt;....&lt;/element&gt;</a:t>
+            </a:r>
+            <a:endParaRPr lang="en-US" sz="1275" b="1" dirty="0">
+              <a:cs typeface="Calibri"/>
+            </a:endParaRPr>
+          </a:p>
+          <a:p>
+            <a:pPr indent="-171450" algn="l">
+              <a:buFont typeface="Arial" panose="020B0604020202020204" pitchFamily="34" charset="0"/>
+              <a:buChar char="•"/>
+            </a:pPr>
+            <a:r>
+              <a:rPr lang="en-US" sz="1275" b="1" dirty="0" err="1"/>
+              <a:t>Elemento</a:t>
+            </a:r>
+            <a:r>
+              <a:rPr lang="en-US" sz="1275" b="1" dirty="0"/>
+              <a:t> </a:t>
+            </a:r>
+            <a:r>
+              <a:rPr lang="en-US" sz="1275" b="1" dirty="0" err="1"/>
+              <a:t>raíz</a:t>
+            </a:r>
+            <a:r>
+              <a:rPr lang="en-US" sz="1275" b="1" dirty="0"/>
+              <a:t>: </a:t>
+            </a:r>
+            <a:r>
+              <a:rPr lang="en-US" sz="1275" dirty="0"/>
+              <a:t>Un </a:t>
+            </a:r>
+            <a:r>
+              <a:rPr lang="en-US" sz="1275" dirty="0" err="1"/>
+              <a:t>documento</a:t>
+            </a:r>
+            <a:r>
+              <a:rPr lang="en-US" sz="1275" dirty="0"/>
+              <a:t> XML </a:t>
+            </a:r>
+            <a:r>
+              <a:rPr lang="en-US" sz="1275" dirty="0" err="1"/>
+              <a:t>sólo</a:t>
+            </a:r>
+            <a:r>
+              <a:rPr lang="en-US" sz="1275" dirty="0"/>
+              <a:t> </a:t>
+            </a:r>
+            <a:r>
+              <a:rPr lang="en-US" sz="1275" dirty="0" err="1"/>
+              <a:t>puede</a:t>
+            </a:r>
+            <a:r>
+              <a:rPr lang="en-US" sz="1275" dirty="0"/>
+              <a:t> </a:t>
+            </a:r>
+            <a:r>
+              <a:rPr lang="en-US" sz="1275" dirty="0" err="1"/>
+              <a:t>tener</a:t>
+            </a:r>
+            <a:r>
+              <a:rPr lang="en-US" sz="1275" dirty="0"/>
+              <a:t> un </a:t>
+            </a:r>
+            <a:r>
+              <a:rPr lang="en-US" sz="1275" dirty="0" err="1"/>
+              <a:t>elemento</a:t>
+            </a:r>
+            <a:r>
+              <a:rPr lang="en-US" sz="1275" dirty="0"/>
+              <a:t> </a:t>
+            </a:r>
+            <a:r>
+              <a:rPr lang="en-US" sz="1275" dirty="0" err="1"/>
+              <a:t>raíz</a:t>
+            </a:r>
+            <a:r>
+              <a:rPr lang="en-US" sz="1275" dirty="0"/>
+              <a:t>.</a:t>
+            </a:r>
+            <a:endParaRPr lang="en-US" sz="1275" dirty="0">
+              <a:cs typeface="Calibri"/>
+            </a:endParaRPr>
+          </a:p>
+          <a:p>
+            <a:pPr indent="-171450" algn="l">
+              <a:buFont typeface="Arial" panose="020B0604020202020204" pitchFamily="34" charset="0"/>
+              <a:buChar char="•"/>
+            </a:pPr>
+            <a:r>
+              <a:rPr lang="en-US" sz="1275" b="1" dirty="0" err="1"/>
+              <a:t>Mayúsculas</a:t>
+            </a:r>
+            <a:r>
+              <a:rPr lang="en-US" sz="1275" b="1" dirty="0"/>
+              <a:t> y </a:t>
+            </a:r>
+            <a:r>
+              <a:rPr lang="en-US" sz="1275" b="1" dirty="0" err="1"/>
+              <a:t>minúsculas</a:t>
+            </a:r>
+            <a:r>
+              <a:rPr lang="en-US" sz="1275" b="1" dirty="0"/>
+              <a:t>: </a:t>
+            </a:r>
+            <a:r>
+              <a:rPr lang="en-US" sz="1275" dirty="0"/>
+              <a:t>Los </a:t>
+            </a:r>
+            <a:r>
+              <a:rPr lang="en-US" sz="1275" dirty="0" err="1"/>
+              <a:t>nombres</a:t>
+            </a:r>
+            <a:r>
+              <a:rPr lang="en-US" sz="1275" dirty="0"/>
+              <a:t> de los </a:t>
+            </a:r>
+            <a:r>
+              <a:rPr lang="en-US" sz="1275" dirty="0" err="1"/>
+              <a:t>elementos</a:t>
+            </a:r>
+            <a:r>
+              <a:rPr lang="en-US" sz="1275" dirty="0"/>
+              <a:t> XML son </a:t>
+            </a:r>
+            <a:r>
+              <a:rPr lang="en-US" sz="1275" dirty="0" err="1"/>
+              <a:t>sensibles</a:t>
+            </a:r>
+            <a:r>
+              <a:rPr lang="en-US" sz="1275" dirty="0"/>
+              <a:t> a las </a:t>
+            </a:r>
+            <a:r>
+              <a:rPr lang="en-US" sz="1275" dirty="0" err="1"/>
+              <a:t>mayúsculas</a:t>
+            </a:r>
+            <a:r>
+              <a:rPr lang="en-US" sz="1275" dirty="0"/>
+              <a:t> y </a:t>
+            </a:r>
+            <a:r>
+              <a:rPr lang="en-US" sz="1275" dirty="0" err="1"/>
+              <a:t>minúsculas</a:t>
+            </a:r>
+            <a:r>
+              <a:rPr lang="en-US" sz="1275" dirty="0"/>
+              <a:t>.</a:t>
+            </a:r>
+            <a:endParaRPr lang="en-US" sz="1275" dirty="0">
+              <a:cs typeface="Calibri"/>
+            </a:endParaRPr>
+          </a:p>
+        </p:txBody>
+      </p:sp>
+      <p:pic>
+        <p:nvPicPr>
+          <p:cNvPr id="7" name="Imagen 12" descr="Interfaz de usuario gráfica, Texto&#10;&#10;Descripción generada automáticamente">
+            <a:extLst>
+              <a:ext uri="{FF2B5EF4-FFF2-40B4-BE49-F238E27FC236}">
+                <a16:creationId xmlns:a16="http://schemas.microsoft.com/office/drawing/2014/main" id="{1CA672F1-1F07-4D6C-A346-65FDBF39F38C}"/>
+              </a:ext>
+            </a:extLst>
+          </p:cNvPr>
+          <p:cNvPicPr>
+            <a:picLocks noChangeAspect="1"/>
+          </p:cNvPicPr>
+          <p:nvPr/>
+        </p:nvPicPr>
+        <p:blipFill>
+          <a:blip r:embed="rId2"/>
+          <a:stretch>
+            <a:fillRect/>
+          </a:stretch>
+        </p:blipFill>
+        <p:spPr>
+          <a:xfrm>
+            <a:off x="383242" y="1692947"/>
+            <a:ext cx="3393701" cy="2892203"/>
+          </a:xfrm>
+          <a:prstGeom prst="rect">
+            <a:avLst/>
+          </a:prstGeom>
+        </p:spPr>
+      </p:pic>
+    </p:spTree>
+    <p:extLst>
+      <p:ext uri="{BB962C8B-B14F-4D97-AF65-F5344CB8AC3E}">
+        <p14:creationId xmlns:p14="http://schemas.microsoft.com/office/powerpoint/2010/main" val="1546714283"/>
+      </p:ext>
+    </p:extLst>
+  </p:cSld>
+  <p:clrMapOvr>
+    <a:masterClrMapping/>
+  </p:clrMapOvr>
+</p:sld>
+</file>
+
+<file path=ppt/slides/slide7.xml><?xml version="1.0" encoding="utf-8"?>
+<p:sld xmlns:a="http://schemas.openxmlformats.org/drawingml/2006/main" xmlns:r="http://schemas.openxmlformats.org/officeDocument/2006/relationships" xmlns:p="http://schemas.openxmlformats.org/presentationml/2006/main">
+  <p:cSld>
+    <p:spTree>
+      <p:nvGrpSpPr>
+        <p:cNvPr id="1" name=""/>
+        <p:cNvGrpSpPr/>
+        <p:nvPr/>
+      </p:nvGrpSpPr>
+      <p:grpSpPr>
+        <a:xfrm>
+          <a:off x="0" y="0"/>
+          <a:ext cx="0" cy="0"/>
+          <a:chOff x="0" y="0"/>
+          <a:chExt cx="0" cy="0"/>
+        </a:xfrm>
+      </p:grpSpPr>
+      <p:sp>
+        <p:nvSpPr>
+          <p:cNvPr id="2" name="Título 1"/>
+          <p:cNvSpPr>
+            <a:spLocks noGrp="1"/>
+          </p:cNvSpPr>
+          <p:nvPr>
+            <p:ph type="ctrTitle"/>
+          </p:nvPr>
+        </p:nvSpPr>
+        <p:spPr>
+          <a:xfrm>
+            <a:off x="316007" y="-1059302"/>
+            <a:ext cx="4147487" cy="2540623"/>
+          </a:xfrm>
+        </p:spPr>
+        <p:txBody>
+          <a:bodyPr spcFirstLastPara="1" vert="horz" wrap="square" lIns="68580" tIns="34290" rIns="68580" bIns="34290" rtlCol="0" anchor="b" anchorCtr="0">
+            <a:normAutofit/>
+          </a:bodyPr>
+          <a:lstStyle/>
+          <a:p>
+            <a:pPr algn="r"/>
+            <a:r>
+              <a:rPr lang="en-US" sz="4950" b="1" u="sng" kern="1200" dirty="0" err="1">
+                <a:solidFill>
+                  <a:srgbClr val="FFFFFF"/>
+                </a:solidFill>
+                <a:latin typeface="+mj-lt"/>
+                <a:ea typeface="+mj-ea"/>
+                <a:cs typeface="+mj-cs"/>
+              </a:rPr>
+              <a:t>Sintaxis</a:t>
+            </a:r>
+            <a:r>
+              <a:rPr lang="en-US" sz="4950" b="1" u="sng" kern="1200" dirty="0">
+                <a:solidFill>
+                  <a:srgbClr val="FFFFFF"/>
+                </a:solidFill>
+                <a:latin typeface="+mj-lt"/>
+                <a:ea typeface="+mj-ea"/>
+                <a:cs typeface="+mj-cs"/>
+              </a:rPr>
+              <a:t> XML</a:t>
+            </a:r>
+            <a:endParaRPr lang="en-US" sz="4950" b="1" u="sng" kern="1200" dirty="0">
+              <a:solidFill>
+                <a:srgbClr val="FFFFFF"/>
+              </a:solidFill>
+              <a:latin typeface="+mj-lt"/>
+              <a:cs typeface="Calibri Light"/>
+            </a:endParaRPr>
+          </a:p>
+        </p:txBody>
+      </p:sp>
+      <p:sp>
+        <p:nvSpPr>
+          <p:cNvPr id="3" name="Subtítulo 2"/>
+          <p:cNvSpPr>
+            <a:spLocks noGrp="1"/>
+          </p:cNvSpPr>
+          <p:nvPr>
+            <p:ph type="subTitle" idx="1"/>
+          </p:nvPr>
+        </p:nvSpPr>
+        <p:spPr>
+          <a:xfrm>
+            <a:off x="566332" y="1747672"/>
+            <a:ext cx="3646835" cy="2821559"/>
+          </a:xfrm>
+        </p:spPr>
+        <p:txBody>
+          <a:bodyPr spcFirstLastPara="1" vert="horz" wrap="square" lIns="68580" tIns="34290" rIns="68580" bIns="34290" rtlCol="0" anchor="ctr" anchorCtr="0">
+            <a:normAutofit/>
+          </a:bodyPr>
+          <a:lstStyle/>
+          <a:p>
+            <a:r>
+              <a:rPr lang="en-US" sz="3300" b="1" u="sng" dirty="0" err="1"/>
+              <a:t>Atributos</a:t>
+            </a:r>
+            <a:endParaRPr lang="en-US" sz="3300" b="1" u="sng" dirty="0" err="1">
+              <a:cs typeface="Calibri" panose="020F0502020204030204"/>
+            </a:endParaRPr>
+          </a:p>
+          <a:p>
+            <a:pPr algn="just">
+              <a:buFont typeface="Arial" panose="020B0604020202020204" pitchFamily="34" charset="0"/>
+              <a:buChar char="•"/>
+            </a:pPr>
+            <a:r>
+              <a:rPr lang="en-US" sz="1500" dirty="0">
+                <a:ea typeface="+mn-lt"/>
+                <a:cs typeface="+mn-lt"/>
+              </a:rPr>
+              <a:t>Un </a:t>
+            </a:r>
+            <a:r>
+              <a:rPr lang="en-US" sz="1500" b="1" dirty="0" err="1">
+                <a:ea typeface="+mn-lt"/>
+                <a:cs typeface="+mn-lt"/>
+              </a:rPr>
+              <a:t>atributo</a:t>
+            </a:r>
+            <a:r>
+              <a:rPr lang="en-US" sz="1500" dirty="0">
+                <a:ea typeface="+mn-lt"/>
+                <a:cs typeface="+mn-lt"/>
+              </a:rPr>
+              <a:t> </a:t>
+            </a:r>
+            <a:r>
+              <a:rPr lang="en-US" sz="1500" dirty="0" err="1">
+                <a:ea typeface="+mn-lt"/>
+                <a:cs typeface="+mn-lt"/>
+              </a:rPr>
+              <a:t>especifica</a:t>
+            </a:r>
+            <a:r>
+              <a:rPr lang="en-US" sz="1500" dirty="0">
+                <a:ea typeface="+mn-lt"/>
+                <a:cs typeface="+mn-lt"/>
+              </a:rPr>
+              <a:t> una </a:t>
+            </a:r>
+            <a:r>
+              <a:rPr lang="en-US" sz="1500" dirty="0" err="1">
+                <a:ea typeface="+mn-lt"/>
+                <a:cs typeface="+mn-lt"/>
+              </a:rPr>
+              <a:t>propiedad</a:t>
+            </a:r>
+            <a:r>
+              <a:rPr lang="en-US" sz="1500" dirty="0">
+                <a:ea typeface="+mn-lt"/>
+                <a:cs typeface="+mn-lt"/>
+              </a:rPr>
+              <a:t> para </a:t>
+            </a:r>
+            <a:r>
+              <a:rPr lang="en-US" sz="1500" dirty="0" err="1">
+                <a:ea typeface="+mn-lt"/>
+                <a:cs typeface="+mn-lt"/>
+              </a:rPr>
+              <a:t>el</a:t>
+            </a:r>
+            <a:r>
+              <a:rPr lang="en-US" sz="1500" dirty="0">
+                <a:ea typeface="+mn-lt"/>
+                <a:cs typeface="+mn-lt"/>
+              </a:rPr>
+              <a:t> </a:t>
+            </a:r>
+            <a:r>
+              <a:rPr lang="en-US" sz="1500" dirty="0" err="1">
+                <a:ea typeface="+mn-lt"/>
+                <a:cs typeface="+mn-lt"/>
+              </a:rPr>
+              <a:t>elemento</a:t>
+            </a:r>
+            <a:r>
+              <a:rPr lang="en-US" sz="1500" dirty="0">
+                <a:ea typeface="+mn-lt"/>
+                <a:cs typeface="+mn-lt"/>
+              </a:rPr>
+              <a:t>, </a:t>
+            </a:r>
+            <a:r>
+              <a:rPr lang="en-US" sz="1500" dirty="0" err="1">
+                <a:ea typeface="+mn-lt"/>
+                <a:cs typeface="+mn-lt"/>
+              </a:rPr>
+              <a:t>utilizando</a:t>
+            </a:r>
+            <a:r>
+              <a:rPr lang="en-US" sz="1500" dirty="0">
+                <a:ea typeface="+mn-lt"/>
+                <a:cs typeface="+mn-lt"/>
+              </a:rPr>
+              <a:t> un par </a:t>
+            </a:r>
+            <a:r>
+              <a:rPr lang="en-US" sz="1500" dirty="0" err="1">
+                <a:ea typeface="+mn-lt"/>
+                <a:cs typeface="+mn-lt"/>
+              </a:rPr>
+              <a:t>nombre</a:t>
+            </a:r>
+            <a:r>
+              <a:rPr lang="en-US" sz="1500" dirty="0">
+                <a:ea typeface="+mn-lt"/>
+                <a:cs typeface="+mn-lt"/>
+              </a:rPr>
+              <a:t>/valor. Un </a:t>
+            </a:r>
+            <a:r>
+              <a:rPr lang="en-US" sz="1500" dirty="0" err="1">
+                <a:ea typeface="+mn-lt"/>
+                <a:cs typeface="+mn-lt"/>
+              </a:rPr>
+              <a:t>elemento</a:t>
+            </a:r>
+            <a:r>
+              <a:rPr lang="en-US" sz="1500" dirty="0">
+                <a:ea typeface="+mn-lt"/>
+                <a:cs typeface="+mn-lt"/>
+              </a:rPr>
+              <a:t> XML </a:t>
+            </a:r>
+            <a:r>
+              <a:rPr lang="en-US" sz="1500" dirty="0" err="1">
+                <a:ea typeface="+mn-lt"/>
+                <a:cs typeface="+mn-lt"/>
+              </a:rPr>
+              <a:t>puede</a:t>
+            </a:r>
+            <a:r>
+              <a:rPr lang="en-US" sz="1500" dirty="0">
+                <a:ea typeface="+mn-lt"/>
+                <a:cs typeface="+mn-lt"/>
+              </a:rPr>
+              <a:t> </a:t>
+            </a:r>
+            <a:r>
+              <a:rPr lang="en-US" sz="1500" dirty="0" err="1">
+                <a:ea typeface="+mn-lt"/>
+                <a:cs typeface="+mn-lt"/>
+              </a:rPr>
+              <a:t>tener</a:t>
+            </a:r>
+            <a:r>
+              <a:rPr lang="en-US" sz="1500" dirty="0">
+                <a:ea typeface="+mn-lt"/>
+                <a:cs typeface="+mn-lt"/>
+              </a:rPr>
+              <a:t> uno o </a:t>
+            </a:r>
+            <a:r>
+              <a:rPr lang="en-US" sz="1500" dirty="0" err="1">
+                <a:ea typeface="+mn-lt"/>
+                <a:cs typeface="+mn-lt"/>
+              </a:rPr>
+              <a:t>más</a:t>
+            </a:r>
+            <a:r>
+              <a:rPr lang="en-US" sz="1500" dirty="0">
+                <a:ea typeface="+mn-lt"/>
+                <a:cs typeface="+mn-lt"/>
+              </a:rPr>
+              <a:t> </a:t>
+            </a:r>
+            <a:r>
+              <a:rPr lang="en-US" sz="1500" dirty="0" err="1">
+                <a:ea typeface="+mn-lt"/>
+                <a:cs typeface="+mn-lt"/>
+              </a:rPr>
+              <a:t>atributos</a:t>
+            </a:r>
+            <a:r>
+              <a:rPr lang="en-US" sz="1500" dirty="0">
+                <a:ea typeface="+mn-lt"/>
+                <a:cs typeface="+mn-lt"/>
+              </a:rPr>
+              <a:t>. Por </a:t>
+            </a:r>
+            <a:r>
+              <a:rPr lang="en-US" sz="1500" dirty="0" err="1">
+                <a:ea typeface="+mn-lt"/>
+                <a:cs typeface="+mn-lt"/>
+              </a:rPr>
+              <a:t>ejemplo</a:t>
+            </a:r>
+            <a:r>
+              <a:rPr lang="en-US" sz="1500" dirty="0">
+                <a:ea typeface="+mn-lt"/>
+                <a:cs typeface="+mn-lt"/>
+              </a:rPr>
+              <a:t>:</a:t>
+            </a:r>
+            <a:endParaRPr lang="en-US" sz="1500" dirty="0">
+              <a:cs typeface="Calibri"/>
+            </a:endParaRPr>
+          </a:p>
+          <a:p>
+            <a:pPr indent="-171450" algn="l">
+              <a:buFont typeface="Arial" panose="020B0604020202020204" pitchFamily="34" charset="0"/>
+              <a:buChar char="•"/>
+            </a:pPr>
+            <a:endParaRPr lang="en-US" sz="1500" dirty="0">
+              <a:latin typeface="Consolas"/>
+            </a:endParaRPr>
+          </a:p>
+        </p:txBody>
+      </p:sp>
+      <p:sp>
+        <p:nvSpPr>
+          <p:cNvPr id="4" name="CuadroTexto 3">
+            <a:extLst>
+              <a:ext uri="{FF2B5EF4-FFF2-40B4-BE49-F238E27FC236}">
+                <a16:creationId xmlns:a16="http://schemas.microsoft.com/office/drawing/2014/main" id="{5AB65BC3-50B9-4893-9847-5E737DBFA398}"/>
+              </a:ext>
+            </a:extLst>
+          </p:cNvPr>
+          <p:cNvSpPr txBox="1"/>
+          <p:nvPr/>
+        </p:nvSpPr>
+        <p:spPr>
+          <a:xfrm>
+            <a:off x="4772675" y="894557"/>
+            <a:ext cx="4066054" cy="553998"/>
+          </a:xfrm>
+          <a:prstGeom prst="rect">
+            <a:avLst/>
+          </a:prstGeom>
+          <a:noFill/>
+        </p:spPr>
+        <p:txBody>
+          <a:bodyPr rot="0" spcFirstLastPara="0" vertOverflow="overflow" horzOverflow="overflow" vert="horz" wrap="square" lIns="68580" tIns="34290" rIns="68580" bIns="34290" numCol="1" spcCol="0" rtlCol="0" fromWordArt="0" anchor="t" anchorCtr="0" forceAA="0" compatLnSpc="1">
+            <a:prstTxWarp prst="textNoShape">
+              <a:avLst/>
+            </a:prstTxWarp>
+            <a:spAutoFit/>
+          </a:bodyPr>
+          <a:lstStyle/>
+          <a:p>
+            <a:r>
+              <a:rPr lang="en-US" sz="1050" b="1" dirty="0">
+                <a:solidFill>
+                  <a:srgbClr val="FF0000"/>
+                </a:solidFill>
+                <a:latin typeface="Consolas"/>
+              </a:rPr>
+              <a:t>&lt;a </a:t>
+            </a:r>
+            <a:r>
+              <a:rPr lang="en-US" sz="1050" b="1" dirty="0" err="1">
+                <a:solidFill>
+                  <a:srgbClr val="FF0000"/>
+                </a:solidFill>
+                <a:latin typeface="Consolas"/>
+              </a:rPr>
+              <a:t>href</a:t>
+            </a:r>
+            <a:r>
+              <a:rPr lang="en-US" sz="1050" b="1" dirty="0">
+                <a:solidFill>
+                  <a:srgbClr val="FF0000"/>
+                </a:solidFill>
+                <a:latin typeface="Consolas"/>
+              </a:rPr>
+              <a:t>="http://www.tutorialspoint.com/"&gt;Tutorialspoint!&lt;/a&gt;</a:t>
+            </a:r>
+          </a:p>
+          <a:p>
+            <a:endParaRPr lang="en-US" sz="1050" b="1" dirty="0">
+              <a:solidFill>
+                <a:srgbClr val="FF0000"/>
+              </a:solidFill>
+              <a:latin typeface="Consolas"/>
+            </a:endParaRPr>
+          </a:p>
+        </p:txBody>
+      </p:sp>
+      <p:sp>
+        <p:nvSpPr>
+          <p:cNvPr id="5" name="CuadroTexto 4">
+            <a:extLst>
+              <a:ext uri="{FF2B5EF4-FFF2-40B4-BE49-F238E27FC236}">
+                <a16:creationId xmlns:a16="http://schemas.microsoft.com/office/drawing/2014/main" id="{8B8A4C5D-E214-41BE-A8D9-D61D84C1CE82}"/>
+              </a:ext>
+            </a:extLst>
+          </p:cNvPr>
+          <p:cNvSpPr txBox="1"/>
+          <p:nvPr/>
+        </p:nvSpPr>
+        <p:spPr>
+          <a:xfrm>
+            <a:off x="4877730" y="1481321"/>
+            <a:ext cx="3612216" cy="2446824"/>
+          </a:xfrm>
+          <a:prstGeom prst="rect">
+            <a:avLst/>
+          </a:prstGeom>
+          <a:noFill/>
+        </p:spPr>
+        <p:txBody>
+          <a:bodyPr rot="0" spcFirstLastPara="0" vertOverflow="overflow" horzOverflow="overflow" vert="horz" wrap="square" lIns="68580" tIns="34290" rIns="68580" bIns="34290" numCol="1" spcCol="0" rtlCol="0" fromWordArt="0" anchor="t" anchorCtr="0" forceAA="0" compatLnSpc="1">
+            <a:prstTxWarp prst="textNoShape">
+              <a:avLst/>
+            </a:prstTxWarp>
+            <a:spAutoFit/>
+          </a:bodyPr>
+          <a:lstStyle/>
+          <a:p>
+            <a:r>
+              <a:rPr lang="es-ES" sz="2400" b="1" dirty="0">
+                <a:ea typeface="+mn-lt"/>
+                <a:cs typeface="+mn-lt"/>
+              </a:rPr>
+              <a:t>Reglas de los atributos:</a:t>
+            </a:r>
+            <a:endParaRPr lang="es-ES" sz="1050" dirty="0"/>
+          </a:p>
+          <a:p>
+            <a:pPr marL="257175" indent="-257175">
+              <a:buFont typeface="Arial"/>
+              <a:buChar char="•"/>
+            </a:pPr>
+            <a:r>
+              <a:rPr lang="es-ES" sz="1500" dirty="0">
+                <a:ea typeface="+mn-lt"/>
+                <a:cs typeface="+mn-lt"/>
+              </a:rPr>
+              <a:t>Nombres de atributos en XML (a diferencia del HTML) son sensibles a mayúsculas. Es decir, HREF y </a:t>
+            </a:r>
+            <a:r>
+              <a:rPr lang="es-ES" sz="1500" dirty="0" err="1">
+                <a:ea typeface="+mn-lt"/>
+                <a:cs typeface="+mn-lt"/>
+              </a:rPr>
+              <a:t>href</a:t>
+            </a:r>
+            <a:r>
+              <a:rPr lang="es-ES" sz="1500" dirty="0">
+                <a:ea typeface="+mn-lt"/>
+                <a:cs typeface="+mn-lt"/>
+              </a:rPr>
+              <a:t> son dos diferentes atributos XML.</a:t>
+            </a:r>
+          </a:p>
+          <a:p>
+            <a:pPr marL="257175" indent="-257175">
+              <a:buFont typeface="Arial"/>
+              <a:buChar char="•"/>
+            </a:pPr>
+            <a:endParaRPr lang="es-ES" sz="1500" dirty="0">
+              <a:ea typeface="+mn-lt"/>
+              <a:cs typeface="+mn-lt"/>
+            </a:endParaRPr>
+          </a:p>
+          <a:p>
+            <a:pPr marL="257175" indent="-257175">
+              <a:buFont typeface="Arial"/>
+              <a:buChar char="•"/>
+            </a:pPr>
+            <a:r>
+              <a:rPr lang="es-ES" sz="1500" dirty="0">
+                <a:ea typeface="+mn-lt"/>
+                <a:cs typeface="+mn-lt"/>
+              </a:rPr>
+              <a:t>Un mismo atributo no puede tener dos valores en una sintaxis.</a:t>
+            </a:r>
+          </a:p>
+          <a:p>
+            <a:pPr algn="l"/>
+            <a:endParaRPr lang="es-ES" sz="1050" dirty="0">
+              <a:cs typeface="Calibri"/>
+            </a:endParaRPr>
+          </a:p>
+        </p:txBody>
+      </p:sp>
+      <p:sp>
+        <p:nvSpPr>
+          <p:cNvPr id="6" name="CuadroTexto 5">
+            <a:extLst>
+              <a:ext uri="{FF2B5EF4-FFF2-40B4-BE49-F238E27FC236}">
+                <a16:creationId xmlns:a16="http://schemas.microsoft.com/office/drawing/2014/main" id="{77B4ABBA-31D7-4999-B7CB-1589A1B7BA2C}"/>
+              </a:ext>
+            </a:extLst>
+          </p:cNvPr>
+          <p:cNvSpPr txBox="1"/>
+          <p:nvPr/>
+        </p:nvSpPr>
+        <p:spPr>
+          <a:xfrm>
+            <a:off x="4877730" y="3865173"/>
+            <a:ext cx="3855944" cy="992579"/>
+          </a:xfrm>
+          <a:prstGeom prst="rect">
+            <a:avLst/>
+          </a:prstGeom>
+          <a:noFill/>
+        </p:spPr>
+        <p:txBody>
+          <a:bodyPr rot="0" spcFirstLastPara="0" vertOverflow="overflow" horzOverflow="overflow" vert="horz" wrap="square" lIns="68580" tIns="34290" rIns="68580" bIns="34290" numCol="1" spcCol="0" rtlCol="0" fromWordArt="0" anchor="t" anchorCtr="0" forceAA="0" compatLnSpc="1">
+            <a:prstTxWarp prst="textNoShape">
+              <a:avLst/>
+            </a:prstTxWarp>
+            <a:spAutoFit/>
+          </a:bodyPr>
+          <a:lstStyle/>
+          <a:p>
+            <a:pPr marL="257175" indent="-257175">
+              <a:buFont typeface="Arial"/>
+              <a:buChar char="•"/>
+            </a:pPr>
+            <a:r>
+              <a:rPr lang="es-ES" sz="1500" dirty="0">
+                <a:ea typeface="+mn-lt"/>
+                <a:cs typeface="+mn-lt"/>
+              </a:rPr>
+              <a:t>Los nombres de los atributos se definen sin comillas, mientras que los valores de los atributos siempre debe aparecer entre comillas</a:t>
+            </a:r>
+            <a:endParaRPr lang="es-ES" sz="1050" dirty="0"/>
+          </a:p>
+        </p:txBody>
+      </p:sp>
+    </p:spTree>
+    <p:extLst>
+      <p:ext uri="{BB962C8B-B14F-4D97-AF65-F5344CB8AC3E}">
+        <p14:creationId xmlns:p14="http://schemas.microsoft.com/office/powerpoint/2010/main" val="3041772228"/>
+      </p:ext>
+    </p:extLst>
+  </p:cSld>
+  <p:clrMapOvr>
+    <a:masterClrMapping/>
+  </p:clrMapOvr>
+</p:sld>
+</file>
+
 <file path=ppt/theme/theme1.xml><?xml version="1.0" encoding="utf-8"?>
 <a:theme xmlns:a="http://schemas.openxmlformats.org/drawingml/2006/main" name="Valentine template">
   <a:themeElements>
